--- a/Lab_8_Microarrays/Biochem 3BP3 Lab 8 Microarray.pptx
+++ b/Lab_8_Microarrays/Biochem 3BP3 Lab 8 Microarray.pptx
@@ -9263,16 +9263,12 @@
               <a:buChar char="•"/>
             </a:pPr>
             <a:r>
+              <a:rPr lang="en-US" sz="2000"/>
+              <a:t>Log transform </a:t>
+            </a:r>
+            <a:r>
               <a:rPr lang="en-US" sz="2000" dirty="0"/>
-              <a:t>Log </a:t>
-            </a:r>
-            <a:r>
-              <a:rPr lang="en-US" sz="2000" dirty="0" err="1"/>
-              <a:t>tranform</a:t>
-            </a:r>
-            <a:r>
-              <a:rPr lang="en-US" sz="2000" dirty="0"/>
-              <a:t> the data</a:t>
+              <a:t>the data</a:t>
             </a:r>
           </a:p>
           <a:p>
